--- a/תצוגה.pptx
+++ b/תצוגה.pptx
@@ -259,7 +259,7 @@
           <a:p>
             <a:fld id="{EBC9EDC2-FD7A-4DC3-B81A-525302B947A0}" type="datetimeFigureOut">
               <a:rPr lang="he-IL" smtClean="0"/>
-              <a:t>ג'/ניסן/תשפ"ב</a:t>
+              <a:t>כ"ה/ניסן/תשפ"ב</a:t>
             </a:fld>
             <a:endParaRPr lang="he-IL"/>
           </a:p>
@@ -457,7 +457,7 @@
           <a:p>
             <a:fld id="{EBC9EDC2-FD7A-4DC3-B81A-525302B947A0}" type="datetimeFigureOut">
               <a:rPr lang="he-IL" smtClean="0"/>
-              <a:t>ג'/ניסן/תשפ"ב</a:t>
+              <a:t>כ"ה/ניסן/תשפ"ב</a:t>
             </a:fld>
             <a:endParaRPr lang="he-IL"/>
           </a:p>
@@ -665,7 +665,7 @@
           <a:p>
             <a:fld id="{EBC9EDC2-FD7A-4DC3-B81A-525302B947A0}" type="datetimeFigureOut">
               <a:rPr lang="he-IL" smtClean="0"/>
-              <a:t>ג'/ניסן/תשפ"ב</a:t>
+              <a:t>כ"ה/ניסן/תשפ"ב</a:t>
             </a:fld>
             <a:endParaRPr lang="he-IL"/>
           </a:p>
@@ -863,7 +863,7 @@
           <a:p>
             <a:fld id="{EBC9EDC2-FD7A-4DC3-B81A-525302B947A0}" type="datetimeFigureOut">
               <a:rPr lang="he-IL" smtClean="0"/>
-              <a:t>ג'/ניסן/תשפ"ב</a:t>
+              <a:t>כ"ה/ניסן/תשפ"ב</a:t>
             </a:fld>
             <a:endParaRPr lang="he-IL"/>
           </a:p>
@@ -1138,7 +1138,7 @@
           <a:p>
             <a:fld id="{EBC9EDC2-FD7A-4DC3-B81A-525302B947A0}" type="datetimeFigureOut">
               <a:rPr lang="he-IL" smtClean="0"/>
-              <a:t>ג'/ניסן/תשפ"ב</a:t>
+              <a:t>כ"ה/ניסן/תשפ"ב</a:t>
             </a:fld>
             <a:endParaRPr lang="he-IL"/>
           </a:p>
@@ -1403,7 +1403,7 @@
           <a:p>
             <a:fld id="{EBC9EDC2-FD7A-4DC3-B81A-525302B947A0}" type="datetimeFigureOut">
               <a:rPr lang="he-IL" smtClean="0"/>
-              <a:t>ג'/ניסן/תשפ"ב</a:t>
+              <a:t>כ"ה/ניסן/תשפ"ב</a:t>
             </a:fld>
             <a:endParaRPr lang="he-IL"/>
           </a:p>
@@ -1815,7 +1815,7 @@
           <a:p>
             <a:fld id="{EBC9EDC2-FD7A-4DC3-B81A-525302B947A0}" type="datetimeFigureOut">
               <a:rPr lang="he-IL" smtClean="0"/>
-              <a:t>ג'/ניסן/תשפ"ב</a:t>
+              <a:t>כ"ה/ניסן/תשפ"ב</a:t>
             </a:fld>
             <a:endParaRPr lang="he-IL"/>
           </a:p>
@@ -1956,7 +1956,7 @@
           <a:p>
             <a:fld id="{EBC9EDC2-FD7A-4DC3-B81A-525302B947A0}" type="datetimeFigureOut">
               <a:rPr lang="he-IL" smtClean="0"/>
-              <a:t>ג'/ניסן/תשפ"ב</a:t>
+              <a:t>כ"ה/ניסן/תשפ"ב</a:t>
             </a:fld>
             <a:endParaRPr lang="he-IL"/>
           </a:p>
@@ -2069,7 +2069,7 @@
           <a:p>
             <a:fld id="{EBC9EDC2-FD7A-4DC3-B81A-525302B947A0}" type="datetimeFigureOut">
               <a:rPr lang="he-IL" smtClean="0"/>
-              <a:t>ג'/ניסן/תשפ"ב</a:t>
+              <a:t>כ"ה/ניסן/תשפ"ב</a:t>
             </a:fld>
             <a:endParaRPr lang="he-IL"/>
           </a:p>
@@ -2380,7 +2380,7 @@
           <a:p>
             <a:fld id="{EBC9EDC2-FD7A-4DC3-B81A-525302B947A0}" type="datetimeFigureOut">
               <a:rPr lang="he-IL" smtClean="0"/>
-              <a:t>ג'/ניסן/תשפ"ב</a:t>
+              <a:t>כ"ה/ניסן/תשפ"ב</a:t>
             </a:fld>
             <a:endParaRPr lang="he-IL"/>
           </a:p>
@@ -2668,7 +2668,7 @@
           <a:p>
             <a:fld id="{EBC9EDC2-FD7A-4DC3-B81A-525302B947A0}" type="datetimeFigureOut">
               <a:rPr lang="he-IL" smtClean="0"/>
-              <a:t>ג'/ניסן/תשפ"ב</a:t>
+              <a:t>כ"ה/ניסן/תשפ"ב</a:t>
             </a:fld>
             <a:endParaRPr lang="he-IL"/>
           </a:p>
@@ -2909,7 +2909,7 @@
           <a:p>
             <a:fld id="{EBC9EDC2-FD7A-4DC3-B81A-525302B947A0}" type="datetimeFigureOut">
               <a:rPr lang="he-IL" smtClean="0"/>
-              <a:t>ג'/ניסן/תשפ"ב</a:t>
+              <a:t>כ"ה/ניסן/תשפ"ב</a:t>
             </a:fld>
             <a:endParaRPr lang="he-IL"/>
           </a:p>
@@ -3671,7 +3671,7 @@
         </p:nvSpPr>
         <p:spPr>
           <a:xfrm>
-            <a:off x="7772402" y="1844456"/>
+            <a:off x="7068694" y="3593715"/>
             <a:ext cx="1697277" cy="425885"/>
           </a:xfrm>
           <a:prstGeom prst="roundRect">
@@ -4295,7 +4295,7 @@
         </p:nvCxnSpPr>
         <p:spPr>
           <a:xfrm>
-            <a:off x="6507803" y="1854760"/>
+            <a:off x="5804095" y="3604019"/>
             <a:ext cx="1264599" cy="202639"/>
           </a:xfrm>
           <a:prstGeom prst="straightConnector1">
